--- a/Node_js_presentation.pptx
+++ b/Node_js_presentation.pptx
@@ -5,7 +5,7 @@
     <p:sldMasterId id="2147483686" r:id="rId1"/>
   </p:sldMasterIdLst>
   <p:notesMasterIdLst>
-    <p:notesMasterId r:id="rId12"/>
+    <p:notesMasterId r:id="rId13"/>
   </p:notesMasterIdLst>
   <p:sldIdLst>
     <p:sldId id="256" r:id="rId2"/>
@@ -18,6 +18,7 @@
     <p:sldId id="265" r:id="rId9"/>
     <p:sldId id="260" r:id="rId10"/>
     <p:sldId id="261" r:id="rId11"/>
+    <p:sldId id="266" r:id="rId12"/>
   </p:sldIdLst>
   <p:sldSz cx="12192000" cy="6858000"/>
   <p:notesSz cx="6858000" cy="9144000"/>
@@ -6647,6 +6648,148 @@
 </p:sld>
 </file>
 
+<file path=ppt/slides/slide11.xml><?xml version="1.0" encoding="utf-8"?>
+<p:sld xmlns:a="http://schemas.openxmlformats.org/drawingml/2006/main" xmlns:r="http://schemas.openxmlformats.org/officeDocument/2006/relationships" xmlns:p="http://schemas.openxmlformats.org/presentationml/2006/main">
+  <p:cSld>
+    <p:spTree>
+      <p:nvGrpSpPr>
+        <p:cNvPr id="1" name=""/>
+        <p:cNvGrpSpPr/>
+        <p:nvPr/>
+      </p:nvGrpSpPr>
+      <p:grpSpPr>
+        <a:xfrm>
+          <a:off x="0" y="0"/>
+          <a:ext cx="0" cy="0"/>
+          <a:chOff x="0" y="0"/>
+          <a:chExt cx="0" cy="0"/>
+        </a:xfrm>
+      </p:grpSpPr>
+      <p:sp>
+        <p:nvSpPr>
+          <p:cNvPr id="2" name="Otsikko 1"/>
+          <p:cNvSpPr>
+            <a:spLocks noGrp="1"/>
+          </p:cNvSpPr>
+          <p:nvPr>
+            <p:ph type="title"/>
+          </p:nvPr>
+        </p:nvSpPr>
+        <p:spPr/>
+        <p:txBody>
+          <a:bodyPr/>
+          <a:lstStyle/>
+          <a:p>
+            <a:pPr algn="ctr"/>
+            <a:r>
+              <a:rPr lang="fi-FI" dirty="0" err="1" smtClean="0"/>
+              <a:t>Node</a:t>
+            </a:r>
+            <a:r>
+              <a:rPr lang="fi-FI" dirty="0" smtClean="0"/>
+              <a:t> REST API </a:t>
+            </a:r>
+            <a:r>
+              <a:rPr lang="fi-FI" dirty="0" err="1" smtClean="0"/>
+              <a:t>project</a:t>
+            </a:r>
+            <a:r>
+              <a:rPr lang="fi-FI" dirty="0" smtClean="0"/>
+              <a:t> </a:t>
+            </a:r>
+            <a:r>
+              <a:rPr lang="fi-FI" dirty="0" err="1" smtClean="0"/>
+              <a:t>tree</a:t>
+            </a:r>
+            <a:endParaRPr lang="fi-FI" dirty="0"/>
+          </a:p>
+        </p:txBody>
+      </p:sp>
+      <p:pic>
+        <p:nvPicPr>
+          <p:cNvPr id="6" name="Sisällön paikkamerkki 5"/>
+          <p:cNvPicPr>
+            <a:picLocks noGrp="1" noChangeAspect="1"/>
+          </p:cNvPicPr>
+          <p:nvPr>
+            <p:ph idx="1"/>
+          </p:nvPr>
+        </p:nvPicPr>
+        <p:blipFill>
+          <a:blip r:embed="rId2"/>
+          <a:stretch>
+            <a:fillRect/>
+          </a:stretch>
+        </p:blipFill>
+        <p:spPr>
+          <a:xfrm>
+            <a:off x="2331075" y="1596980"/>
+            <a:ext cx="5185892" cy="4090239"/>
+          </a:xfrm>
+          <a:prstGeom prst="rect">
+            <a:avLst/>
+          </a:prstGeom>
+        </p:spPr>
+      </p:pic>
+      <p:sp>
+        <p:nvSpPr>
+          <p:cNvPr id="4" name="Päivämäärän paikkamerkki 3"/>
+          <p:cNvSpPr>
+            <a:spLocks noGrp="1"/>
+          </p:cNvSpPr>
+          <p:nvPr>
+            <p:ph type="dt" sz="half" idx="10"/>
+          </p:nvPr>
+        </p:nvSpPr>
+        <p:spPr/>
+        <p:txBody>
+          <a:bodyPr/>
+          <a:lstStyle/>
+          <a:p>
+            <a:r>
+              <a:rPr lang="fi-FI" smtClean="0"/>
+              <a:t>25.10.2017</a:t>
+            </a:r>
+            <a:endParaRPr lang="en-US" dirty="0"/>
+          </a:p>
+        </p:txBody>
+      </p:sp>
+      <p:sp>
+        <p:nvSpPr>
+          <p:cNvPr id="5" name="Alatunnisteen paikkamerkki 4"/>
+          <p:cNvSpPr>
+            <a:spLocks noGrp="1"/>
+          </p:cNvSpPr>
+          <p:nvPr>
+            <p:ph type="ftr" sz="quarter" idx="11"/>
+          </p:nvPr>
+        </p:nvSpPr>
+        <p:spPr/>
+        <p:txBody>
+          <a:bodyPr/>
+          <a:lstStyle/>
+          <a:p>
+            <a:r>
+              <a:rPr lang="fi-FI" smtClean="0"/>
+              <a:t>Artur Veselovski, Mikko Tiitinen, Panu Partanen</a:t>
+            </a:r>
+            <a:endParaRPr lang="en-US" dirty="0"/>
+          </a:p>
+        </p:txBody>
+      </p:sp>
+    </p:spTree>
+    <p:extLst>
+      <p:ext uri="{BB962C8B-B14F-4D97-AF65-F5344CB8AC3E}">
+        <p14:creationId xmlns:p14="http://schemas.microsoft.com/office/powerpoint/2010/main" val="854285865"/>
+      </p:ext>
+    </p:extLst>
+  </p:cSld>
+  <p:clrMapOvr>
+    <a:masterClrMapping/>
+  </p:clrMapOvr>
+</p:sld>
+</file>
+
 <file path=ppt/slides/slide2.xml><?xml version="1.0" encoding="utf-8"?>
 <p:sld xmlns:a="http://schemas.openxmlformats.org/drawingml/2006/main" xmlns:r="http://schemas.openxmlformats.org/officeDocument/2006/relationships" xmlns:p="http://schemas.openxmlformats.org/presentationml/2006/main">
   <p:cSld>
@@ -7784,11 +7927,7 @@
           <a:p>
             <a:r>
               <a:rPr lang="en-GB" sz="2400" dirty="0" smtClean="0"/>
-              <a:t>Using Express.js model and its functions we are able to start a server that listens to port 3000 and sends ‘Hello World’ as a response when we request the root of the </a:t>
-            </a:r>
-            <a:r>
-              <a:rPr lang="en-GB" sz="2400" dirty="0" smtClean="0"/>
-              <a:t>URL</a:t>
+              <a:t>Using Express.js model and its functions we are able to start a server that listens to port 3000 and sends ‘Hello World’ as a response when we request the root of the URL</a:t>
             </a:r>
           </a:p>
           <a:p>
@@ -7810,7 +7949,6 @@
               <a:rPr lang="en-GB" sz="2400" dirty="0" smtClean="0"/>
               <a:t>Connect to localhost:3000 with browser</a:t>
             </a:r>
-            <a:endParaRPr lang="en-GB" sz="2400" dirty="0" smtClean="0"/>
           </a:p>
           <a:p>
             <a:pPr marL="0" indent="0">

--- a/Node_js_presentation.pptx
+++ b/Node_js_presentation.pptx
@@ -5,7 +5,7 @@
     <p:sldMasterId id="2147483686" r:id="rId1"/>
   </p:sldMasterIdLst>
   <p:notesMasterIdLst>
-    <p:notesMasterId r:id="rId13"/>
+    <p:notesMasterId r:id="rId17"/>
   </p:notesMasterIdLst>
   <p:sldIdLst>
     <p:sldId id="256" r:id="rId2"/>
@@ -19,6 +19,10 @@
     <p:sldId id="260" r:id="rId10"/>
     <p:sldId id="261" r:id="rId11"/>
     <p:sldId id="266" r:id="rId12"/>
+    <p:sldId id="271" r:id="rId13"/>
+    <p:sldId id="268" r:id="rId14"/>
+    <p:sldId id="269" r:id="rId15"/>
+    <p:sldId id="270" r:id="rId16"/>
   </p:sldIdLst>
   <p:sldSz cx="12192000" cy="6858000"/>
   <p:notesSz cx="6858000" cy="9144000"/>
@@ -6787,6 +6791,574 @@
   <p:clrMapOvr>
     <a:masterClrMapping/>
   </p:clrMapOvr>
+  <p:timing>
+    <p:tnLst>
+      <p:par>
+        <p:cTn id="1" dur="indefinite" restart="never" nodeType="tmRoot"/>
+      </p:par>
+    </p:tnLst>
+  </p:timing>
+</p:sld>
+</file>
+
+<file path=ppt/slides/slide12.xml><?xml version="1.0" encoding="utf-8"?>
+<p:sld xmlns:a="http://schemas.openxmlformats.org/drawingml/2006/main" xmlns:r="http://schemas.openxmlformats.org/officeDocument/2006/relationships" xmlns:p="http://schemas.openxmlformats.org/presentationml/2006/main">
+  <p:cSld>
+    <p:spTree>
+      <p:nvGrpSpPr>
+        <p:cNvPr id="1" name=""/>
+        <p:cNvGrpSpPr/>
+        <p:nvPr/>
+      </p:nvGrpSpPr>
+      <p:grpSpPr>
+        <a:xfrm>
+          <a:off x="0" y="0"/>
+          <a:ext cx="0" cy="0"/>
+          <a:chOff x="0" y="0"/>
+          <a:chExt cx="0" cy="0"/>
+        </a:xfrm>
+      </p:grpSpPr>
+      <p:sp>
+        <p:nvSpPr>
+          <p:cNvPr id="2" name="Otsikko 1"/>
+          <p:cNvSpPr>
+            <a:spLocks noGrp="1"/>
+          </p:cNvSpPr>
+          <p:nvPr>
+            <p:ph type="title"/>
+          </p:nvPr>
+        </p:nvSpPr>
+        <p:spPr>
+          <a:xfrm>
+            <a:off x="5316009" y="2637513"/>
+            <a:ext cx="4936808" cy="1320800"/>
+          </a:xfrm>
+        </p:spPr>
+        <p:txBody>
+          <a:bodyPr/>
+          <a:lstStyle/>
+          <a:p>
+            <a:pPr algn="ctr"/>
+            <a:r>
+              <a:rPr lang="fi-FI" dirty="0" smtClean="0"/>
+              <a:t>Index.js</a:t>
+            </a:r>
+            <a:endParaRPr lang="fi-FI" dirty="0"/>
+          </a:p>
+        </p:txBody>
+      </p:sp>
+      <p:sp>
+        <p:nvSpPr>
+          <p:cNvPr id="4" name="Päivämäärän paikkamerkki 3"/>
+          <p:cNvSpPr>
+            <a:spLocks noGrp="1"/>
+          </p:cNvSpPr>
+          <p:nvPr>
+            <p:ph type="dt" sz="half" idx="10"/>
+          </p:nvPr>
+        </p:nvSpPr>
+        <p:spPr/>
+        <p:txBody>
+          <a:bodyPr/>
+          <a:lstStyle/>
+          <a:p>
+            <a:r>
+              <a:rPr lang="fi-FI" smtClean="0"/>
+              <a:t>25.10.2017</a:t>
+            </a:r>
+            <a:endParaRPr lang="en-US" dirty="0"/>
+          </a:p>
+        </p:txBody>
+      </p:sp>
+      <p:sp>
+        <p:nvSpPr>
+          <p:cNvPr id="5" name="Alatunnisteen paikkamerkki 4"/>
+          <p:cNvSpPr>
+            <a:spLocks noGrp="1"/>
+          </p:cNvSpPr>
+          <p:nvPr>
+            <p:ph type="ftr" sz="quarter" idx="11"/>
+          </p:nvPr>
+        </p:nvSpPr>
+        <p:spPr/>
+        <p:txBody>
+          <a:bodyPr/>
+          <a:lstStyle/>
+          <a:p>
+            <a:r>
+              <a:rPr lang="fi-FI" smtClean="0"/>
+              <a:t>Artur Veselovski, Mikko Tiitinen, Panu Partanen</a:t>
+            </a:r>
+            <a:endParaRPr lang="en-US" dirty="0"/>
+          </a:p>
+        </p:txBody>
+      </p:sp>
+      <p:pic>
+        <p:nvPicPr>
+          <p:cNvPr id="6" name="Kuva 5"/>
+          <p:cNvPicPr>
+            <a:picLocks noChangeAspect="1"/>
+          </p:cNvPicPr>
+          <p:nvPr/>
+        </p:nvPicPr>
+        <p:blipFill>
+          <a:blip r:embed="rId2"/>
+          <a:stretch>
+            <a:fillRect/>
+          </a:stretch>
+        </p:blipFill>
+        <p:spPr>
+          <a:xfrm>
+            <a:off x="677334" y="142339"/>
+            <a:ext cx="4638675" cy="6496050"/>
+          </a:xfrm>
+          <a:prstGeom prst="rect">
+            <a:avLst/>
+          </a:prstGeom>
+        </p:spPr>
+      </p:pic>
+    </p:spTree>
+    <p:extLst>
+      <p:ext uri="{BB962C8B-B14F-4D97-AF65-F5344CB8AC3E}">
+        <p14:creationId xmlns:p14="http://schemas.microsoft.com/office/powerpoint/2010/main" val="1118396107"/>
+      </p:ext>
+    </p:extLst>
+  </p:cSld>
+  <p:clrMapOvr>
+    <a:masterClrMapping/>
+  </p:clrMapOvr>
+  <p:timing>
+    <p:tnLst>
+      <p:par>
+        <p:cTn id="1" dur="indefinite" restart="never" nodeType="tmRoot"/>
+      </p:par>
+    </p:tnLst>
+  </p:timing>
+</p:sld>
+</file>
+
+<file path=ppt/slides/slide13.xml><?xml version="1.0" encoding="utf-8"?>
+<p:sld xmlns:a="http://schemas.openxmlformats.org/drawingml/2006/main" xmlns:r="http://schemas.openxmlformats.org/officeDocument/2006/relationships" xmlns:p="http://schemas.openxmlformats.org/presentationml/2006/main">
+  <p:cSld>
+    <p:spTree>
+      <p:nvGrpSpPr>
+        <p:cNvPr id="1" name=""/>
+        <p:cNvGrpSpPr/>
+        <p:nvPr/>
+      </p:nvGrpSpPr>
+      <p:grpSpPr>
+        <a:xfrm>
+          <a:off x="0" y="0"/>
+          <a:ext cx="0" cy="0"/>
+          <a:chOff x="0" y="0"/>
+          <a:chExt cx="0" cy="0"/>
+        </a:xfrm>
+      </p:grpSpPr>
+      <p:sp>
+        <p:nvSpPr>
+          <p:cNvPr id="2" name="Otsikko 1"/>
+          <p:cNvSpPr>
+            <a:spLocks noGrp="1"/>
+          </p:cNvSpPr>
+          <p:nvPr>
+            <p:ph type="title"/>
+          </p:nvPr>
+        </p:nvSpPr>
+        <p:spPr>
+          <a:xfrm>
+            <a:off x="3818738" y="2588296"/>
+            <a:ext cx="8596668" cy="1320800"/>
+          </a:xfrm>
+        </p:spPr>
+        <p:txBody>
+          <a:bodyPr/>
+          <a:lstStyle/>
+          <a:p>
+            <a:pPr algn="ctr"/>
+            <a:r>
+              <a:rPr lang="fi-FI" dirty="0" err="1" smtClean="0"/>
+              <a:t>Authentication</a:t>
+            </a:r>
+            <a:endParaRPr lang="fi-FI" dirty="0"/>
+          </a:p>
+        </p:txBody>
+      </p:sp>
+      <p:sp>
+        <p:nvSpPr>
+          <p:cNvPr id="4" name="Päivämäärän paikkamerkki 3"/>
+          <p:cNvSpPr>
+            <a:spLocks noGrp="1"/>
+          </p:cNvSpPr>
+          <p:nvPr>
+            <p:ph type="dt" sz="half" idx="10"/>
+          </p:nvPr>
+        </p:nvSpPr>
+        <p:spPr/>
+        <p:txBody>
+          <a:bodyPr/>
+          <a:lstStyle/>
+          <a:p>
+            <a:r>
+              <a:rPr lang="fi-FI" smtClean="0"/>
+              <a:t>25.10.2017</a:t>
+            </a:r>
+            <a:endParaRPr lang="en-US" dirty="0"/>
+          </a:p>
+        </p:txBody>
+      </p:sp>
+      <p:sp>
+        <p:nvSpPr>
+          <p:cNvPr id="5" name="Alatunnisteen paikkamerkki 4"/>
+          <p:cNvSpPr>
+            <a:spLocks noGrp="1"/>
+          </p:cNvSpPr>
+          <p:nvPr>
+            <p:ph type="ftr" sz="quarter" idx="11"/>
+          </p:nvPr>
+        </p:nvSpPr>
+        <p:spPr/>
+        <p:txBody>
+          <a:bodyPr/>
+          <a:lstStyle/>
+          <a:p>
+            <a:r>
+              <a:rPr lang="fi-FI" smtClean="0"/>
+              <a:t>Artur Veselovski, Mikko Tiitinen, Panu Partanen</a:t>
+            </a:r>
+            <a:endParaRPr lang="en-US" dirty="0"/>
+          </a:p>
+        </p:txBody>
+      </p:sp>
+      <p:pic>
+        <p:nvPicPr>
+          <p:cNvPr id="6" name="Kuva 5"/>
+          <p:cNvPicPr>
+            <a:picLocks noChangeAspect="1"/>
+          </p:cNvPicPr>
+          <p:nvPr/>
+        </p:nvPicPr>
+        <p:blipFill>
+          <a:blip r:embed="rId2"/>
+          <a:stretch>
+            <a:fillRect/>
+          </a:stretch>
+        </p:blipFill>
+        <p:spPr>
+          <a:xfrm>
+            <a:off x="548023" y="762671"/>
+            <a:ext cx="5429250" cy="4972050"/>
+          </a:xfrm>
+          <a:prstGeom prst="rect">
+            <a:avLst/>
+          </a:prstGeom>
+        </p:spPr>
+      </p:pic>
+    </p:spTree>
+    <p:extLst>
+      <p:ext uri="{BB962C8B-B14F-4D97-AF65-F5344CB8AC3E}">
+        <p14:creationId xmlns:p14="http://schemas.microsoft.com/office/powerpoint/2010/main" val="2386175411"/>
+      </p:ext>
+    </p:extLst>
+  </p:cSld>
+  <p:clrMapOvr>
+    <a:masterClrMapping/>
+  </p:clrMapOvr>
+  <p:timing>
+    <p:tnLst>
+      <p:par>
+        <p:cTn id="1" dur="indefinite" restart="never" nodeType="tmRoot"/>
+      </p:par>
+    </p:tnLst>
+  </p:timing>
+</p:sld>
+</file>
+
+<file path=ppt/slides/slide14.xml><?xml version="1.0" encoding="utf-8"?>
+<p:sld xmlns:a="http://schemas.openxmlformats.org/drawingml/2006/main" xmlns:r="http://schemas.openxmlformats.org/officeDocument/2006/relationships" xmlns:p="http://schemas.openxmlformats.org/presentationml/2006/main">
+  <p:cSld>
+    <p:spTree>
+      <p:nvGrpSpPr>
+        <p:cNvPr id="1" name=""/>
+        <p:cNvGrpSpPr/>
+        <p:nvPr/>
+      </p:nvGrpSpPr>
+      <p:grpSpPr>
+        <a:xfrm>
+          <a:off x="0" y="0"/>
+          <a:ext cx="0" cy="0"/>
+          <a:chOff x="0" y="0"/>
+          <a:chExt cx="0" cy="0"/>
+        </a:xfrm>
+      </p:grpSpPr>
+      <p:sp>
+        <p:nvSpPr>
+          <p:cNvPr id="2" name="Otsikko 1"/>
+          <p:cNvSpPr>
+            <a:spLocks noGrp="1"/>
+          </p:cNvSpPr>
+          <p:nvPr>
+            <p:ph type="title"/>
+          </p:nvPr>
+        </p:nvSpPr>
+        <p:spPr/>
+        <p:txBody>
+          <a:bodyPr/>
+          <a:lstStyle/>
+          <a:p>
+            <a:pPr algn="ctr"/>
+            <a:r>
+              <a:rPr lang="fi-FI" dirty="0" err="1" smtClean="0"/>
+              <a:t>Some</a:t>
+            </a:r>
+            <a:r>
+              <a:rPr lang="fi-FI" dirty="0" smtClean="0"/>
+              <a:t> </a:t>
+            </a:r>
+            <a:r>
+              <a:rPr lang="fi-FI" dirty="0" err="1"/>
+              <a:t>r</a:t>
+            </a:r>
+            <a:r>
+              <a:rPr lang="fi-FI" dirty="0" err="1" smtClean="0"/>
+              <a:t>outes</a:t>
+            </a:r>
+            <a:r>
+              <a:rPr lang="fi-FI" dirty="0" smtClean="0"/>
+              <a:t>	</a:t>
+            </a:r>
+            <a:endParaRPr lang="fi-FI" dirty="0"/>
+          </a:p>
+        </p:txBody>
+      </p:sp>
+      <p:sp>
+        <p:nvSpPr>
+          <p:cNvPr id="4" name="Päivämäärän paikkamerkki 3"/>
+          <p:cNvSpPr>
+            <a:spLocks noGrp="1"/>
+          </p:cNvSpPr>
+          <p:nvPr>
+            <p:ph type="dt" sz="half" idx="10"/>
+          </p:nvPr>
+        </p:nvSpPr>
+        <p:spPr/>
+        <p:txBody>
+          <a:bodyPr/>
+          <a:lstStyle/>
+          <a:p>
+            <a:r>
+              <a:rPr lang="fi-FI" smtClean="0"/>
+              <a:t>25.10.2017</a:t>
+            </a:r>
+            <a:endParaRPr lang="en-US" dirty="0"/>
+          </a:p>
+        </p:txBody>
+      </p:sp>
+      <p:sp>
+        <p:nvSpPr>
+          <p:cNvPr id="5" name="Alatunnisteen paikkamerkki 4"/>
+          <p:cNvSpPr>
+            <a:spLocks noGrp="1"/>
+          </p:cNvSpPr>
+          <p:nvPr>
+            <p:ph type="ftr" sz="quarter" idx="11"/>
+          </p:nvPr>
+        </p:nvSpPr>
+        <p:spPr/>
+        <p:txBody>
+          <a:bodyPr/>
+          <a:lstStyle/>
+          <a:p>
+            <a:r>
+              <a:rPr lang="fi-FI" smtClean="0"/>
+              <a:t>Artur Veselovski, Mikko Tiitinen, Panu Partanen</a:t>
+            </a:r>
+            <a:endParaRPr lang="en-US" dirty="0"/>
+          </a:p>
+        </p:txBody>
+      </p:sp>
+      <p:pic>
+        <p:nvPicPr>
+          <p:cNvPr id="6" name="Kuva 5"/>
+          <p:cNvPicPr>
+            <a:picLocks noChangeAspect="1"/>
+          </p:cNvPicPr>
+          <p:nvPr/>
+        </p:nvPicPr>
+        <p:blipFill>
+          <a:blip r:embed="rId2"/>
+          <a:stretch>
+            <a:fillRect/>
+          </a:stretch>
+        </p:blipFill>
+        <p:spPr>
+          <a:xfrm>
+            <a:off x="1808605" y="1762662"/>
+            <a:ext cx="6334125" cy="3409950"/>
+          </a:xfrm>
+          <a:prstGeom prst="rect">
+            <a:avLst/>
+          </a:prstGeom>
+        </p:spPr>
+      </p:pic>
+    </p:spTree>
+    <p:extLst>
+      <p:ext uri="{BB962C8B-B14F-4D97-AF65-F5344CB8AC3E}">
+        <p14:creationId xmlns:p14="http://schemas.microsoft.com/office/powerpoint/2010/main" val="506729374"/>
+      </p:ext>
+    </p:extLst>
+  </p:cSld>
+  <p:clrMapOvr>
+    <a:masterClrMapping/>
+  </p:clrMapOvr>
+  <p:timing>
+    <p:tnLst>
+      <p:par>
+        <p:cTn id="1" dur="indefinite" restart="never" nodeType="tmRoot"/>
+      </p:par>
+    </p:tnLst>
+  </p:timing>
+</p:sld>
+</file>
+
+<file path=ppt/slides/slide15.xml><?xml version="1.0" encoding="utf-8"?>
+<p:sld xmlns:a="http://schemas.openxmlformats.org/drawingml/2006/main" xmlns:r="http://schemas.openxmlformats.org/officeDocument/2006/relationships" xmlns:p="http://schemas.openxmlformats.org/presentationml/2006/main">
+  <p:cSld>
+    <p:spTree>
+      <p:nvGrpSpPr>
+        <p:cNvPr id="1" name=""/>
+        <p:cNvGrpSpPr/>
+        <p:nvPr/>
+      </p:nvGrpSpPr>
+      <p:grpSpPr>
+        <a:xfrm>
+          <a:off x="0" y="0"/>
+          <a:ext cx="0" cy="0"/>
+          <a:chOff x="0" y="0"/>
+          <a:chExt cx="0" cy="0"/>
+        </a:xfrm>
+      </p:grpSpPr>
+      <p:sp>
+        <p:nvSpPr>
+          <p:cNvPr id="2" name="Otsikko 1"/>
+          <p:cNvSpPr>
+            <a:spLocks noGrp="1"/>
+          </p:cNvSpPr>
+          <p:nvPr>
+            <p:ph type="title"/>
+          </p:nvPr>
+        </p:nvSpPr>
+        <p:spPr/>
+        <p:txBody>
+          <a:bodyPr/>
+          <a:lstStyle/>
+          <a:p>
+            <a:pPr algn="ctr"/>
+            <a:r>
+              <a:rPr lang="fi-FI" dirty="0" err="1"/>
+              <a:t>Some</a:t>
+            </a:r>
+            <a:r>
+              <a:rPr lang="fi-FI" dirty="0"/>
+              <a:t> </a:t>
+            </a:r>
+            <a:r>
+              <a:rPr lang="fi-FI" dirty="0" err="1"/>
+              <a:t>routes</a:t>
+            </a:r>
+            <a:r>
+              <a:rPr lang="fi-FI" dirty="0"/>
+              <a:t>	</a:t>
+            </a:r>
+          </a:p>
+        </p:txBody>
+      </p:sp>
+      <p:sp>
+        <p:nvSpPr>
+          <p:cNvPr id="4" name="Päivämäärän paikkamerkki 3"/>
+          <p:cNvSpPr>
+            <a:spLocks noGrp="1"/>
+          </p:cNvSpPr>
+          <p:nvPr>
+            <p:ph type="dt" sz="half" idx="10"/>
+          </p:nvPr>
+        </p:nvSpPr>
+        <p:spPr/>
+        <p:txBody>
+          <a:bodyPr/>
+          <a:lstStyle/>
+          <a:p>
+            <a:r>
+              <a:rPr lang="fi-FI" smtClean="0"/>
+              <a:t>25.10.2017</a:t>
+            </a:r>
+            <a:endParaRPr lang="en-US" dirty="0"/>
+          </a:p>
+        </p:txBody>
+      </p:sp>
+      <p:sp>
+        <p:nvSpPr>
+          <p:cNvPr id="5" name="Alatunnisteen paikkamerkki 4"/>
+          <p:cNvSpPr>
+            <a:spLocks noGrp="1"/>
+          </p:cNvSpPr>
+          <p:nvPr>
+            <p:ph type="ftr" sz="quarter" idx="11"/>
+          </p:nvPr>
+        </p:nvSpPr>
+        <p:spPr/>
+        <p:txBody>
+          <a:bodyPr/>
+          <a:lstStyle/>
+          <a:p>
+            <a:r>
+              <a:rPr lang="fi-FI" smtClean="0"/>
+              <a:t>Artur Veselovski, Mikko Tiitinen, Panu Partanen</a:t>
+            </a:r>
+            <a:endParaRPr lang="en-US" dirty="0"/>
+          </a:p>
+        </p:txBody>
+      </p:sp>
+      <p:pic>
+        <p:nvPicPr>
+          <p:cNvPr id="6" name="Kuva 5"/>
+          <p:cNvPicPr>
+            <a:picLocks noChangeAspect="1"/>
+          </p:cNvPicPr>
+          <p:nvPr/>
+        </p:nvPicPr>
+        <p:blipFill>
+          <a:blip r:embed="rId2"/>
+          <a:stretch>
+            <a:fillRect/>
+          </a:stretch>
+        </p:blipFill>
+        <p:spPr>
+          <a:xfrm>
+            <a:off x="1860993" y="1576588"/>
+            <a:ext cx="6229350" cy="3962400"/>
+          </a:xfrm>
+          <a:prstGeom prst="rect">
+            <a:avLst/>
+          </a:prstGeom>
+        </p:spPr>
+      </p:pic>
+    </p:spTree>
+    <p:extLst>
+      <p:ext uri="{BB962C8B-B14F-4D97-AF65-F5344CB8AC3E}">
+        <p14:creationId xmlns:p14="http://schemas.microsoft.com/office/powerpoint/2010/main" val="4152147916"/>
+      </p:ext>
+    </p:extLst>
+  </p:cSld>
+  <p:clrMapOvr>
+    <a:masterClrMapping/>
+  </p:clrMapOvr>
+  <p:timing>
+    <p:tnLst>
+      <p:par>
+        <p:cTn id="1" dur="indefinite" restart="never" nodeType="tmRoot"/>
+      </p:par>
+    </p:tnLst>
+  </p:timing>
 </p:sld>
 </file>
 
@@ -7432,8 +8004,35 @@
             <a:pPr lvl="1"/>
             <a:r>
               <a:rPr lang="en-GB" sz="2200" dirty="0" smtClean="0"/>
-              <a:t>Used to handle our MongoDB</a:t>
-            </a:r>
+              <a:t>Used to handle our </a:t>
+            </a:r>
+            <a:r>
+              <a:rPr lang="en-GB" sz="2200" dirty="0" smtClean="0"/>
+              <a:t>MongoDB</a:t>
+            </a:r>
+          </a:p>
+          <a:p>
+            <a:r>
+              <a:rPr lang="en-US" sz="2400" dirty="0" err="1"/>
+              <a:t>Bcrypt</a:t>
+            </a:r>
+            <a:endParaRPr lang="en-US" sz="2400" dirty="0"/>
+          </a:p>
+          <a:p>
+            <a:pPr lvl="1"/>
+            <a:r>
+              <a:rPr lang="en-US" sz="2200" dirty="0" smtClean="0"/>
+              <a:t>Encrypt </a:t>
+            </a:r>
+            <a:r>
+              <a:rPr lang="en-US" sz="2200" dirty="0"/>
+              <a:t>passwords to our </a:t>
+            </a:r>
+            <a:r>
+              <a:rPr lang="en-US" sz="2200" dirty="0" smtClean="0"/>
+              <a:t>database</a:t>
+            </a:r>
+            <a:endParaRPr lang="en-GB" sz="2400" dirty="0" smtClean="0"/>
           </a:p>
           <a:p>
             <a:r>
@@ -7449,11 +8048,13 @@
             <a:pPr lvl="1"/>
             <a:r>
               <a:rPr lang="en-GB" sz="2200" dirty="0" smtClean="0"/>
-              <a:t>Used to authenticate the user accessing our server</a:t>
-            </a:r>
-          </a:p>
-          <a:p>
-            <a:endParaRPr lang="en-US" sz="2400" dirty="0"/>
+              <a:t>Used to authenticate the user accessing our </a:t>
+            </a:r>
+            <a:r>
+              <a:rPr lang="en-GB" sz="2200" dirty="0" smtClean="0"/>
+              <a:t>server</a:t>
+            </a:r>
+            <a:endParaRPr lang="en-GB" sz="2200" dirty="0" smtClean="0"/>
           </a:p>
         </p:txBody>
       </p:sp>

--- a/Node_js_presentation.pptx
+++ b/Node_js_presentation.pptx
@@ -5,7 +5,7 @@
     <p:sldMasterId id="2147483686" r:id="rId1"/>
   </p:sldMasterIdLst>
   <p:notesMasterIdLst>
-    <p:notesMasterId r:id="rId17"/>
+    <p:notesMasterId r:id="rId16"/>
   </p:notesMasterIdLst>
   <p:sldIdLst>
     <p:sldId id="256" r:id="rId2"/>
@@ -17,12 +17,11 @@
     <p:sldId id="264" r:id="rId8"/>
     <p:sldId id="265" r:id="rId9"/>
     <p:sldId id="260" r:id="rId10"/>
-    <p:sldId id="261" r:id="rId11"/>
-    <p:sldId id="266" r:id="rId12"/>
-    <p:sldId id="271" r:id="rId13"/>
-    <p:sldId id="268" r:id="rId14"/>
-    <p:sldId id="269" r:id="rId15"/>
-    <p:sldId id="270" r:id="rId16"/>
+    <p:sldId id="266" r:id="rId11"/>
+    <p:sldId id="271" r:id="rId12"/>
+    <p:sldId id="268" r:id="rId13"/>
+    <p:sldId id="269" r:id="rId14"/>
+    <p:sldId id="270" r:id="rId15"/>
   </p:sldIdLst>
   <p:sldSz cx="12192000" cy="6858000"/>
   <p:notesSz cx="6858000" cy="9144000"/>
@@ -6503,174 +6502,6 @@
       </p:grpSpPr>
       <p:sp>
         <p:nvSpPr>
-          <p:cNvPr id="2" name="Title 1"/>
-          <p:cNvSpPr>
-            <a:spLocks noGrp="1"/>
-          </p:cNvSpPr>
-          <p:nvPr>
-            <p:ph type="title"/>
-          </p:nvPr>
-        </p:nvSpPr>
-        <p:spPr/>
-        <p:txBody>
-          <a:bodyPr/>
-          <a:lstStyle/>
-          <a:p>
-            <a:pPr algn="ctr"/>
-            <a:r>
-              <a:rPr lang="en-GB" dirty="0" smtClean="0"/>
-              <a:t>What did we do with Node.js</a:t>
-            </a:r>
-            <a:endParaRPr lang="en-US" dirty="0"/>
-          </a:p>
-        </p:txBody>
-      </p:sp>
-      <p:sp>
-        <p:nvSpPr>
-          <p:cNvPr id="3" name="Content Placeholder 2"/>
-          <p:cNvSpPr>
-            <a:spLocks noGrp="1"/>
-          </p:cNvSpPr>
-          <p:nvPr>
-            <p:ph idx="1"/>
-          </p:nvPr>
-        </p:nvSpPr>
-        <p:spPr/>
-        <p:txBody>
-          <a:bodyPr>
-            <a:normAutofit/>
-          </a:bodyPr>
-          <a:lstStyle/>
-          <a:p>
-            <a:r>
-              <a:rPr lang="en-GB" sz="2400" dirty="0"/>
-              <a:t>We built a </a:t>
-            </a:r>
-            <a:r>
-              <a:rPr lang="en-GB" sz="2400" dirty="0" smtClean="0"/>
-              <a:t>Full-stack “Note Keeper” (notes, tasks) application using Node.js for Rest API </a:t>
-            </a:r>
-          </a:p>
-          <a:p>
-            <a:r>
-              <a:rPr lang="en-GB" sz="2400" dirty="0" smtClean="0"/>
-              <a:t>Frontend was made with react-native</a:t>
-            </a:r>
-          </a:p>
-          <a:p>
-            <a:pPr lvl="1"/>
-            <a:r>
-              <a:rPr lang="en-GB" sz="2400" dirty="0" smtClean="0"/>
-              <a:t>Redux for state management</a:t>
-            </a:r>
-          </a:p>
-          <a:p>
-            <a:pPr lvl="1"/>
-            <a:r>
-              <a:rPr lang="en-GB" sz="2400" dirty="0" err="1" smtClean="0"/>
-              <a:t>Axios</a:t>
-            </a:r>
-            <a:r>
-              <a:rPr lang="en-GB" sz="2400" dirty="0" smtClean="0"/>
-              <a:t> for API calls</a:t>
-            </a:r>
-          </a:p>
-          <a:p>
-            <a:endParaRPr lang="en-GB" sz="2400" dirty="0" smtClean="0"/>
-          </a:p>
-          <a:p>
-            <a:endParaRPr lang="en-GB" sz="2400" dirty="0"/>
-          </a:p>
-          <a:p>
-            <a:endParaRPr lang="en-US" sz="2400" dirty="0"/>
-          </a:p>
-        </p:txBody>
-      </p:sp>
-      <p:sp>
-        <p:nvSpPr>
-          <p:cNvPr id="4" name="Date Placeholder 3"/>
-          <p:cNvSpPr>
-            <a:spLocks noGrp="1"/>
-          </p:cNvSpPr>
-          <p:nvPr>
-            <p:ph type="dt" sz="half" idx="10"/>
-          </p:nvPr>
-        </p:nvSpPr>
-        <p:spPr/>
-        <p:txBody>
-          <a:bodyPr/>
-          <a:lstStyle/>
-          <a:p>
-            <a:r>
-              <a:rPr lang="fi-FI" smtClean="0"/>
-              <a:t>25.10.2017</a:t>
-            </a:r>
-            <a:endParaRPr lang="en-US" dirty="0"/>
-          </a:p>
-        </p:txBody>
-      </p:sp>
-      <p:sp>
-        <p:nvSpPr>
-          <p:cNvPr id="5" name="Footer Placeholder 4"/>
-          <p:cNvSpPr>
-            <a:spLocks noGrp="1"/>
-          </p:cNvSpPr>
-          <p:nvPr>
-            <p:ph type="ftr" sz="quarter" idx="11"/>
-          </p:nvPr>
-        </p:nvSpPr>
-        <p:spPr/>
-        <p:txBody>
-          <a:bodyPr/>
-          <a:lstStyle/>
-          <a:p>
-            <a:r>
-              <a:rPr lang="fi-FI" smtClean="0"/>
-              <a:t>Artur Veselovski, Mikko Tiitinen, Panu Partanen</a:t>
-            </a:r>
-            <a:endParaRPr lang="en-US" dirty="0"/>
-          </a:p>
-        </p:txBody>
-      </p:sp>
-    </p:spTree>
-    <p:extLst>
-      <p:ext uri="{BB962C8B-B14F-4D97-AF65-F5344CB8AC3E}">
-        <p14:creationId xmlns:p14="http://schemas.microsoft.com/office/powerpoint/2010/main" val="2899801967"/>
-      </p:ext>
-    </p:extLst>
-  </p:cSld>
-  <p:clrMapOvr>
-    <a:masterClrMapping/>
-  </p:clrMapOvr>
-  <p:timing>
-    <p:tnLst>
-      <p:par>
-        <p:cTn id="1" dur="indefinite" restart="never" nodeType="tmRoot"/>
-      </p:par>
-    </p:tnLst>
-  </p:timing>
-</p:sld>
-</file>
-
-<file path=ppt/slides/slide11.xml><?xml version="1.0" encoding="utf-8"?>
-<p:sld xmlns:a="http://schemas.openxmlformats.org/drawingml/2006/main" xmlns:r="http://schemas.openxmlformats.org/officeDocument/2006/relationships" xmlns:p="http://schemas.openxmlformats.org/presentationml/2006/main">
-  <p:cSld>
-    <p:spTree>
-      <p:nvGrpSpPr>
-        <p:cNvPr id="1" name=""/>
-        <p:cNvGrpSpPr/>
-        <p:nvPr/>
-      </p:nvGrpSpPr>
-      <p:grpSpPr>
-        <a:xfrm>
-          <a:off x="0" y="0"/>
-          <a:ext cx="0" cy="0"/>
-          <a:chOff x="0" y="0"/>
-          <a:chExt cx="0" cy="0"/>
-        </a:xfrm>
-      </p:grpSpPr>
-      <p:sp>
-        <p:nvSpPr>
           <p:cNvPr id="2" name="Otsikko 1"/>
           <p:cNvSpPr>
             <a:spLocks noGrp="1"/>
@@ -6801,7 +6632,7 @@
 </p:sld>
 </file>
 
-<file path=ppt/slides/slide12.xml><?xml version="1.0" encoding="utf-8"?>
+<file path=ppt/slides/slide11.xml><?xml version="1.0" encoding="utf-8"?>
 <p:sld xmlns:a="http://schemas.openxmlformats.org/drawingml/2006/main" xmlns:r="http://schemas.openxmlformats.org/officeDocument/2006/relationships" xmlns:p="http://schemas.openxmlformats.org/presentationml/2006/main">
   <p:cSld>
     <p:spTree>
@@ -6937,7 +6768,7 @@
 </p:sld>
 </file>
 
-<file path=ppt/slides/slide13.xml><?xml version="1.0" encoding="utf-8"?>
+<file path=ppt/slides/slide12.xml><?xml version="1.0" encoding="utf-8"?>
 <p:sld xmlns:a="http://schemas.openxmlformats.org/drawingml/2006/main" xmlns:r="http://schemas.openxmlformats.org/officeDocument/2006/relationships" xmlns:p="http://schemas.openxmlformats.org/presentationml/2006/main">
   <p:cSld>
     <p:spTree>
@@ -7073,7 +6904,7 @@
 </p:sld>
 </file>
 
-<file path=ppt/slides/slide14.xml><?xml version="1.0" encoding="utf-8"?>
+<file path=ppt/slides/slide13.xml><?xml version="1.0" encoding="utf-8"?>
 <p:sld xmlns:a="http://schemas.openxmlformats.org/drawingml/2006/main" xmlns:r="http://schemas.openxmlformats.org/officeDocument/2006/relationships" xmlns:p="http://schemas.openxmlformats.org/presentationml/2006/main">
   <p:cSld>
     <p:spTree>
@@ -7220,7 +7051,7 @@
 </p:sld>
 </file>
 
-<file path=ppt/slides/slide15.xml><?xml version="1.0" encoding="utf-8"?>
+<file path=ppt/slides/slide14.xml><?xml version="1.0" encoding="utf-8"?>
 <p:sld xmlns:a="http://schemas.openxmlformats.org/drawingml/2006/main" xmlns:r="http://schemas.openxmlformats.org/officeDocument/2006/relationships" xmlns:p="http://schemas.openxmlformats.org/presentationml/2006/main">
   <p:cSld>
     <p:spTree>
@@ -8004,11 +7835,7 @@
             <a:pPr lvl="1"/>
             <a:r>
               <a:rPr lang="en-GB" sz="2200" dirty="0" smtClean="0"/>
-              <a:t>Used to handle our </a:t>
-            </a:r>
-            <a:r>
-              <a:rPr lang="en-GB" sz="2200" dirty="0" smtClean="0"/>
-              <a:t>MongoDB</a:t>
+              <a:t>Used to handle our MongoDB</a:t>
             </a:r>
           </a:p>
           <a:p>
@@ -8048,13 +7875,8 @@
             <a:pPr lvl="1"/>
             <a:r>
               <a:rPr lang="en-GB" sz="2200" dirty="0" smtClean="0"/>
-              <a:t>Used to authenticate the user accessing our </a:t>
-            </a:r>
-            <a:r>
-              <a:rPr lang="en-GB" sz="2200" dirty="0" smtClean="0"/>
-              <a:t>server</a:t>
-            </a:r>
-            <a:endParaRPr lang="en-GB" sz="2200" dirty="0" smtClean="0"/>
+              <a:t>Used to authenticate the user accessing our server</a:t>
+            </a:r>
           </a:p>
         </p:txBody>
       </p:sp>
@@ -8734,14 +8556,80 @@
         </p:blipFill>
         <p:spPr>
           <a:xfrm>
-            <a:off x="908535" y="570787"/>
-            <a:ext cx="8224818" cy="4915614"/>
+            <a:off x="1887329" y="476518"/>
+            <a:ext cx="7886923" cy="4713669"/>
           </a:xfrm>
           <a:prstGeom prst="rect">
             <a:avLst/>
           </a:prstGeom>
         </p:spPr>
       </p:pic>
+      <p:sp>
+        <p:nvSpPr>
+          <p:cNvPr id="7" name="Content Placeholder 2"/>
+          <p:cNvSpPr>
+            <a:spLocks noGrp="1"/>
+          </p:cNvSpPr>
+          <p:nvPr>
+            <p:ph idx="1"/>
+          </p:nvPr>
+        </p:nvSpPr>
+        <p:spPr>
+          <a:xfrm>
+            <a:off x="0" y="2572714"/>
+            <a:ext cx="4306790" cy="2617473"/>
+          </a:xfrm>
+        </p:spPr>
+        <p:txBody>
+          <a:bodyPr>
+            <a:normAutofit fontScale="85000" lnSpcReduction="20000"/>
+          </a:bodyPr>
+          <a:lstStyle/>
+          <a:p>
+            <a:r>
+              <a:rPr lang="en-GB" sz="2400" dirty="0"/>
+              <a:t>We built a </a:t>
+            </a:r>
+            <a:r>
+              <a:rPr lang="en-GB" sz="2400" dirty="0" smtClean="0"/>
+              <a:t>Full-stack “Note Keeper” (notes, tasks) application using Node.js for Rest API </a:t>
+            </a:r>
+          </a:p>
+          <a:p>
+            <a:r>
+              <a:rPr lang="en-GB" sz="2400" dirty="0" smtClean="0"/>
+              <a:t>Frontend was made with react-native</a:t>
+            </a:r>
+          </a:p>
+          <a:p>
+            <a:pPr lvl="1"/>
+            <a:r>
+              <a:rPr lang="en-GB" sz="2400" dirty="0" smtClean="0"/>
+              <a:t>Redux for state management</a:t>
+            </a:r>
+          </a:p>
+          <a:p>
+            <a:pPr lvl="1"/>
+            <a:r>
+              <a:rPr lang="en-GB" sz="2400" dirty="0" err="1" smtClean="0"/>
+              <a:t>Axios</a:t>
+            </a:r>
+            <a:r>
+              <a:rPr lang="en-GB" sz="2400" dirty="0" smtClean="0"/>
+              <a:t> for API calls</a:t>
+            </a:r>
+          </a:p>
+          <a:p>
+            <a:endParaRPr lang="en-GB" sz="2400" dirty="0" smtClean="0"/>
+          </a:p>
+          <a:p>
+            <a:endParaRPr lang="en-GB" sz="2400" dirty="0"/>
+          </a:p>
+          <a:p>
+            <a:endParaRPr lang="en-US" sz="2400" dirty="0"/>
+          </a:p>
+        </p:txBody>
+      </p:sp>
     </p:spTree>
     <p:extLst>
       <p:ext uri="{BB962C8B-B14F-4D97-AF65-F5344CB8AC3E}">
